--- a/总结和不足.pptx
+++ b/总结和不足.pptx
@@ -6,11 +6,12 @@
     <p:sldMasterId id="2147483679" r:id="rId2"/>
   </p:sldMasterIdLst>
   <p:notesMasterIdLst>
-    <p:notesMasterId r:id="rId5"/>
+    <p:notesMasterId r:id="rId6"/>
   </p:notesMasterIdLst>
   <p:sldIdLst>
     <p:sldId id="287" r:id="rId3"/>
     <p:sldId id="290" r:id="rId4"/>
+    <p:sldId id="291" r:id="rId5"/>
   </p:sldIdLst>
   <p:sldSz cx="12192000" cy="6858000"/>
   <p:notesSz cx="6858000" cy="9144000"/>
@@ -625,6 +626,90 @@
     <p:extLst>
       <p:ext uri="{BB962C8B-B14F-4D97-AF65-F5344CB8AC3E}">
         <p14:creationId xmlns:p14="http://schemas.microsoft.com/office/powerpoint/2010/main" val="3263930225"/>
+      </p:ext>
+    </p:extLst>
+  </p:cSld>
+  <p:clrMapOvr>
+    <a:masterClrMapping/>
+  </p:clrMapOvr>
+</p:notes>
+</file>
+
+<file path=ppt/notesSlides/notesSlide3.xml><?xml version="1.0" encoding="utf-8"?>
+<p:notes xmlns:a="http://schemas.openxmlformats.org/drawingml/2006/main" xmlns:r="http://schemas.openxmlformats.org/officeDocument/2006/relationships" xmlns:p="http://schemas.openxmlformats.org/presentationml/2006/main">
+  <p:cSld>
+    <p:spTree>
+      <p:nvGrpSpPr>
+        <p:cNvPr id="1" name=""/>
+        <p:cNvGrpSpPr/>
+        <p:nvPr/>
+      </p:nvGrpSpPr>
+      <p:grpSpPr>
+        <a:xfrm>
+          <a:off x="0" y="0"/>
+          <a:ext cx="0" cy="0"/>
+          <a:chOff x="0" y="0"/>
+          <a:chExt cx="0" cy="0"/>
+        </a:xfrm>
+      </p:grpSpPr>
+      <p:sp>
+        <p:nvSpPr>
+          <p:cNvPr id="2" name="幻灯片图像占位符 1"/>
+          <p:cNvSpPr>
+            <a:spLocks noGrp="1" noRot="1" noChangeAspect="1"/>
+          </p:cNvSpPr>
+          <p:nvPr>
+            <p:ph type="sldImg"/>
+          </p:nvPr>
+        </p:nvSpPr>
+        <p:spPr/>
+      </p:sp>
+      <p:sp>
+        <p:nvSpPr>
+          <p:cNvPr id="3" name="备注占位符 2"/>
+          <p:cNvSpPr>
+            <a:spLocks noGrp="1"/>
+          </p:cNvSpPr>
+          <p:nvPr>
+            <p:ph type="body" idx="1"/>
+          </p:nvPr>
+        </p:nvSpPr>
+        <p:spPr/>
+        <p:txBody>
+          <a:bodyPr/>
+          <a:lstStyle/>
+          <a:p>
+            <a:endParaRPr lang="zh-CN" altLang="en-US"/>
+          </a:p>
+        </p:txBody>
+      </p:sp>
+      <p:sp>
+        <p:nvSpPr>
+          <p:cNvPr id="4" name="灯片编号占位符 3"/>
+          <p:cNvSpPr>
+            <a:spLocks noGrp="1"/>
+          </p:cNvSpPr>
+          <p:nvPr>
+            <p:ph type="sldNum" sz="quarter" idx="10"/>
+          </p:nvPr>
+        </p:nvSpPr>
+        <p:spPr/>
+        <p:txBody>
+          <a:bodyPr/>
+          <a:lstStyle/>
+          <a:p>
+            <a:fld id="{B3435DCA-F7DA-4348-A7B2-EBF7E58CC170}" type="slidenum">
+              <a:rPr lang="zh-CN" altLang="en-US" smtClean="0"/>
+              <a:t>3</a:t>
+            </a:fld>
+            <a:endParaRPr lang="zh-CN" altLang="en-US"/>
+          </a:p>
+        </p:txBody>
+      </p:sp>
+    </p:spTree>
+    <p:extLst>
+      <p:ext uri="{BB962C8B-B14F-4D97-AF65-F5344CB8AC3E}">
+        <p14:creationId xmlns:p14="http://schemas.microsoft.com/office/powerpoint/2010/main" val="271116430"/>
       </p:ext>
     </p:extLst>
   </p:cSld>
@@ -9829,14 +9914,7 @@
                 <a:latin typeface="锐字云字库小标宋体1.0" panose="02010604000000000000" pitchFamily="2" charset="-122"/>
                 <a:ea typeface="锐字云字库小标宋体1.0" panose="02010604000000000000" pitchFamily="2" charset="-122"/>
               </a:rPr>
-              <a:t>我们小组这次软件课设对个人财务管理系统开发，从最开始的任务分析到最后的</a:t>
-            </a:r>
-            <a:r>
-              <a:rPr lang="zh-CN" altLang="en-US" sz="2400" dirty="0" smtClean="0">
-                <a:latin typeface="锐字云字库小标宋体1.0" panose="02010604000000000000" pitchFamily="2" charset="-122"/>
-                <a:ea typeface="锐字云字库小标宋体1.0" panose="02010604000000000000" pitchFamily="2" charset="-122"/>
-              </a:rPr>
-              <a:t>完成</a:t>
+              <a:t>我们小组这次软件课设对个人财务管理系统开发，从最开始的任务分析到最后的完成</a:t>
             </a:r>
             <a:r>
               <a:rPr lang="zh-CN" altLang="en-US" sz="2400" dirty="0">
@@ -9864,21 +9942,7 @@
                 <a:latin typeface="锐字云字库小标宋体1.0" panose="02010604000000000000" pitchFamily="2" charset="-122"/>
                 <a:ea typeface="锐字云字库小标宋体1.0" panose="02010604000000000000" pitchFamily="2" charset="-122"/>
               </a:rPr>
-              <a:t>很多。有</a:t>
-            </a:r>
-            <a:r>
-              <a:rPr lang="zh-CN" altLang="en-US" sz="2400" dirty="0" smtClean="0">
-                <a:latin typeface="锐字云字库小标宋体1.0" panose="02010604000000000000" pitchFamily="2" charset="-122"/>
-                <a:ea typeface="锐字云字库小标宋体1.0" panose="02010604000000000000" pitchFamily="2" charset="-122"/>
-              </a:rPr>
-              <a:t>很多收获，也有很多不足</a:t>
-            </a:r>
-            <a:r>
-              <a:rPr lang="zh-CN" altLang="en-US" sz="2400" dirty="0" smtClean="0">
-                <a:latin typeface="锐字云字库小标宋体1.0" panose="02010604000000000000" pitchFamily="2" charset="-122"/>
-                <a:ea typeface="锐字云字库小标宋体1.0" panose="02010604000000000000" pitchFamily="2" charset="-122"/>
-              </a:rPr>
-              <a:t>。</a:t>
+              <a:t>很多。有很多收获，也有很多不足。</a:t>
             </a:r>
             <a:endParaRPr lang="en-US" altLang="zh-CN" sz="2400" dirty="0" smtClean="0">
               <a:latin typeface="锐字云字库小标宋体1.0" panose="02010604000000000000" pitchFamily="2" charset="-122"/>
@@ -9898,14 +9962,7 @@
                 <a:latin typeface="锐字云字库小标宋体1.0" panose="02010604000000000000" pitchFamily="2" charset="-122"/>
                 <a:ea typeface="锐字云字库小标宋体1.0" panose="02010604000000000000" pitchFamily="2" charset="-122"/>
               </a:rPr>
-              <a:t>这整个系统的开发中，从最开始的项目用户注册登录，对用户信息的验证，到用户页面中条目的增删改查，以及对数据的直观的可视化查询，不同功能实现难度差别很大。因此</a:t>
-            </a:r>
-            <a:r>
-              <a:rPr lang="zh-CN" altLang="en-US" sz="2400" dirty="0" smtClean="0">
-                <a:latin typeface="锐字云字库小标宋体1.0" panose="02010604000000000000" pitchFamily="2" charset="-122"/>
-                <a:ea typeface="锐字云字库小标宋体1.0" panose="02010604000000000000" pitchFamily="2" charset="-122"/>
-              </a:rPr>
-              <a:t>我们在小组分工协作中，尝试并使用了许多现在流行的前后端开发工具，查阅了大量的官方文档，以及许多前人总结的程序开发经验。在资料参考的帮助和大量的调试验证下，完成并测试了这个项目的各项功能。</a:t>
+              <a:t>这整个系统的开发中，从最开始的项目用户注册登录，对用户信息的验证，到用户页面中条目的增删改查，以及对数据的直观的可视化查询，不同功能实现难度差别很大。因此我们在小组分工协作中，尝试并使用了许多现在流行的前后端开发工具，查阅了大量的官方文档，以及许多前人总结的程序开发经验。在资料参考的帮助和大量的调试验证下，完成并测试了这个项目的各项功能。</a:t>
             </a:r>
             <a:endParaRPr lang="en-US" altLang="zh-CN" sz="2400" dirty="0" smtClean="0">
               <a:latin typeface="锐字云字库小标宋体1.0" panose="02010604000000000000" pitchFamily="2" charset="-122"/>
@@ -9939,14 +9996,7 @@
                 <a:latin typeface="锐字云字库小标宋体1.0" panose="02010604000000000000" pitchFamily="2" charset="-122"/>
                 <a:ea typeface="锐字云字库小标宋体1.0" panose="02010604000000000000" pitchFamily="2" charset="-122"/>
               </a:rPr>
-              <a:t>对用户的友好度</a:t>
-            </a:r>
-            <a:r>
-              <a:rPr lang="zh-CN" altLang="en-US" sz="2400" dirty="0" smtClean="0">
-                <a:latin typeface="锐字云字库小标宋体1.0" panose="02010604000000000000" pitchFamily="2" charset="-122"/>
-                <a:ea typeface="锐字云字库小标宋体1.0" panose="02010604000000000000" pitchFamily="2" charset="-122"/>
-              </a:rPr>
-              <a:t>也不算特别高，因此</a:t>
+              <a:t>对用户的友好度也不算特别高，因此</a:t>
             </a:r>
             <a:r>
               <a:rPr lang="zh-CN" altLang="en-US" sz="2400" dirty="0">
@@ -9973,6 +10023,516 @@
     <p:extLst>
       <p:ext uri="{BB962C8B-B14F-4D97-AF65-F5344CB8AC3E}">
         <p14:creationId xmlns:p14="http://schemas.microsoft.com/office/powerpoint/2010/main" val="2294471343"/>
+      </p:ext>
+    </p:extLst>
+  </p:cSld>
+  <p:clrMapOvr>
+    <a:masterClrMapping/>
+  </p:clrMapOvr>
+  <mc:AlternateContent xmlns:mc="http://schemas.openxmlformats.org/markup-compatibility/2006" xmlns:p14="http://schemas.microsoft.com/office/powerpoint/2010/main">
+    <mc:Choice Requires="p14">
+      <p:transition spd="med" p14:dur="700">
+        <p:fade/>
+      </p:transition>
+    </mc:Choice>
+    <mc:Fallback xmlns="">
+      <p:transition spd="med">
+        <p:fade/>
+      </p:transition>
+    </mc:Fallback>
+  </mc:AlternateContent>
+  <p:timing>
+    <p:tnLst>
+      <p:par>
+        <p:cTn id="1" dur="indefinite" restart="never" nodeType="tmRoot"/>
+      </p:par>
+    </p:tnLst>
+  </p:timing>
+</p:sld>
+</file>
+
+<file path=ppt/slides/slide3.xml><?xml version="1.0" encoding="utf-8"?>
+<p:sld xmlns:a="http://schemas.openxmlformats.org/drawingml/2006/main" xmlns:r="http://schemas.openxmlformats.org/officeDocument/2006/relationships" xmlns:p="http://schemas.openxmlformats.org/presentationml/2006/main">
+  <p:cSld>
+    <p:spTree>
+      <p:nvGrpSpPr>
+        <p:cNvPr id="1" name=""/>
+        <p:cNvGrpSpPr/>
+        <p:nvPr/>
+      </p:nvGrpSpPr>
+      <p:grpSpPr>
+        <a:xfrm>
+          <a:off x="0" y="0"/>
+          <a:ext cx="0" cy="0"/>
+          <a:chOff x="0" y="0"/>
+          <a:chExt cx="0" cy="0"/>
+        </a:xfrm>
+      </p:grpSpPr>
+      <p:sp>
+        <p:nvSpPr>
+          <p:cNvPr id="2" name="文本占位符 1"/>
+          <p:cNvSpPr>
+            <a:spLocks noGrp="1"/>
+          </p:cNvSpPr>
+          <p:nvPr>
+            <p:ph type="body" sz="quarter" idx="10"/>
+          </p:nvPr>
+        </p:nvSpPr>
+        <p:spPr/>
+        <p:txBody>
+          <a:bodyPr/>
+          <a:lstStyle/>
+          <a:p>
+            <a:r>
+              <a:rPr kumimoji="1" lang="en-US" altLang="zh-CN" dirty="0"/>
+              <a:t>PART</a:t>
+            </a:r>
+            <a:r>
+              <a:rPr kumimoji="1" lang="zh-CN" altLang="en-US" dirty="0"/>
+              <a:t> </a:t>
+            </a:r>
+            <a:r>
+              <a:rPr kumimoji="1" lang="en-US" altLang="zh-CN" dirty="0" smtClean="0"/>
+              <a:t>FIVE</a:t>
+            </a:r>
+            <a:r>
+              <a:rPr kumimoji="1" lang="zh-CN" altLang="en-US" dirty="0" smtClean="0"/>
+              <a:t> 总结和不足</a:t>
+            </a:r>
+            <a:endParaRPr kumimoji="1" lang="zh-CN" altLang="en-US" dirty="0"/>
+          </a:p>
+        </p:txBody>
+      </p:sp>
+      <p:grpSp>
+        <p:nvGrpSpPr>
+          <p:cNvPr id="13" name="组 102"/>
+          <p:cNvGrpSpPr/>
+          <p:nvPr/>
+        </p:nvGrpSpPr>
+        <p:grpSpPr>
+          <a:xfrm>
+            <a:off x="9999881" y="762316"/>
+            <a:ext cx="1295674" cy="682917"/>
+            <a:chOff x="910794" y="928946"/>
+            <a:chExt cx="2300757" cy="509896"/>
+          </a:xfrm>
+        </p:grpSpPr>
+        <p:sp>
+          <p:nvSpPr>
+            <p:cNvPr id="14" name="矩形 13"/>
+            <p:cNvSpPr/>
+            <p:nvPr/>
+          </p:nvSpPr>
+          <p:spPr>
+            <a:xfrm>
+              <a:off x="923286" y="953484"/>
+              <a:ext cx="2268157" cy="471008"/>
+            </a:xfrm>
+            <a:prstGeom prst="rect">
+              <a:avLst/>
+            </a:prstGeom>
+            <a:noFill/>
+            <a:ln w="12700" cap="flat" cmpd="sng" algn="ctr">
+              <a:solidFill>
+                <a:schemeClr val="bg1">
+                  <a:lumMod val="75000"/>
+                </a:schemeClr>
+              </a:solidFill>
+              <a:prstDash val="solid"/>
+              <a:miter lim="800000"/>
+            </a:ln>
+            <a:effectLst/>
+          </p:spPr>
+          <p:txBody>
+            <a:bodyPr rot="0" spcFirstLastPara="0" vertOverflow="overflow" horzOverflow="overflow" vert="horz" wrap="square" lIns="91440" tIns="45720" rIns="91440" bIns="45720" numCol="1" spcCol="0" rtlCol="0" fromWordArt="0" anchor="ctr" anchorCtr="0" forceAA="0" compatLnSpc="1">
+              <a:prstTxWarp prst="textNoShape">
+                <a:avLst/>
+              </a:prstTxWarp>
+              <a:noAutofit/>
+            </a:bodyPr>
+            <a:lstStyle/>
+            <a:p>
+              <a:pPr algn="ctr" defTabSz="914400">
+                <a:defRPr/>
+              </a:pPr>
+              <a:endParaRPr lang="zh-CN" altLang="en-US" kern="0">
+                <a:solidFill>
+                  <a:prstClr val="white"/>
+                </a:solidFill>
+                <a:latin typeface="Segoe UI"/>
+                <a:ea typeface="微软雅黑"/>
+              </a:endParaRPr>
+            </a:p>
+          </p:txBody>
+        </p:sp>
+        <p:sp>
+          <p:nvSpPr>
+            <p:cNvPr id="15" name="椭圆 14"/>
+            <p:cNvSpPr/>
+            <p:nvPr/>
+          </p:nvSpPr>
+          <p:spPr>
+            <a:xfrm>
+              <a:off x="910794" y="928946"/>
+              <a:ext cx="38888" cy="38888"/>
+            </a:xfrm>
+            <a:prstGeom prst="ellipse">
+              <a:avLst/>
+            </a:prstGeom>
+            <a:solidFill>
+              <a:schemeClr val="accent1"/>
+            </a:solidFill>
+            <a:ln w="12700" cap="flat" cmpd="sng" algn="ctr">
+              <a:noFill/>
+              <a:prstDash val="solid"/>
+              <a:miter lim="800000"/>
+            </a:ln>
+            <a:effectLst/>
+          </p:spPr>
+          <p:txBody>
+            <a:bodyPr rot="0" spcFirstLastPara="0" vertOverflow="overflow" horzOverflow="overflow" vert="horz" wrap="square" lIns="91440" tIns="45720" rIns="91440" bIns="45720" numCol="1" spcCol="0" rtlCol="0" fromWordArt="0" anchor="ctr" anchorCtr="0" forceAA="0" compatLnSpc="1">
+              <a:prstTxWarp prst="textNoShape">
+                <a:avLst/>
+              </a:prstTxWarp>
+              <a:noAutofit/>
+            </a:bodyPr>
+            <a:lstStyle/>
+            <a:p>
+              <a:pPr algn="ctr" defTabSz="914400">
+                <a:defRPr/>
+              </a:pPr>
+              <a:endParaRPr lang="zh-CN" altLang="en-US" kern="0">
+                <a:solidFill>
+                  <a:prstClr val="white"/>
+                </a:solidFill>
+                <a:latin typeface="Segoe UI"/>
+                <a:ea typeface="微软雅黑"/>
+              </a:endParaRPr>
+            </a:p>
+          </p:txBody>
+        </p:sp>
+        <p:sp>
+          <p:nvSpPr>
+            <p:cNvPr id="16" name="椭圆 15"/>
+            <p:cNvSpPr/>
+            <p:nvPr/>
+          </p:nvSpPr>
+          <p:spPr>
+            <a:xfrm>
+              <a:off x="910794" y="1399954"/>
+              <a:ext cx="38888" cy="38888"/>
+            </a:xfrm>
+            <a:prstGeom prst="ellipse">
+              <a:avLst/>
+            </a:prstGeom>
+            <a:solidFill>
+              <a:schemeClr val="accent1"/>
+            </a:solidFill>
+            <a:ln w="12700" cap="flat" cmpd="sng" algn="ctr">
+              <a:noFill/>
+              <a:prstDash val="solid"/>
+              <a:miter lim="800000"/>
+            </a:ln>
+            <a:effectLst/>
+          </p:spPr>
+          <p:txBody>
+            <a:bodyPr rot="0" spcFirstLastPara="0" vertOverflow="overflow" horzOverflow="overflow" vert="horz" wrap="square" lIns="91440" tIns="45720" rIns="91440" bIns="45720" numCol="1" spcCol="0" rtlCol="0" fromWordArt="0" anchor="ctr" anchorCtr="0" forceAA="0" compatLnSpc="1">
+              <a:prstTxWarp prst="textNoShape">
+                <a:avLst/>
+              </a:prstTxWarp>
+              <a:noAutofit/>
+            </a:bodyPr>
+            <a:lstStyle/>
+            <a:p>
+              <a:pPr algn="ctr" defTabSz="914400">
+                <a:defRPr/>
+              </a:pPr>
+              <a:endParaRPr lang="zh-CN" altLang="en-US" kern="0">
+                <a:solidFill>
+                  <a:prstClr val="white"/>
+                </a:solidFill>
+                <a:latin typeface="Segoe UI"/>
+                <a:ea typeface="微软雅黑"/>
+              </a:endParaRPr>
+            </a:p>
+          </p:txBody>
+        </p:sp>
+        <p:sp>
+          <p:nvSpPr>
+            <p:cNvPr id="17" name="椭圆 16"/>
+            <p:cNvSpPr/>
+            <p:nvPr/>
+          </p:nvSpPr>
+          <p:spPr>
+            <a:xfrm>
+              <a:off x="3172663" y="1399954"/>
+              <a:ext cx="38888" cy="38888"/>
+            </a:xfrm>
+            <a:prstGeom prst="ellipse">
+              <a:avLst/>
+            </a:prstGeom>
+            <a:solidFill>
+              <a:schemeClr val="accent1"/>
+            </a:solidFill>
+            <a:ln w="12700" cap="flat" cmpd="sng" algn="ctr">
+              <a:noFill/>
+              <a:prstDash val="solid"/>
+              <a:miter lim="800000"/>
+            </a:ln>
+            <a:effectLst/>
+          </p:spPr>
+          <p:txBody>
+            <a:bodyPr rot="0" spcFirstLastPara="0" vertOverflow="overflow" horzOverflow="overflow" vert="horz" wrap="square" lIns="91440" tIns="45720" rIns="91440" bIns="45720" numCol="1" spcCol="0" rtlCol="0" fromWordArt="0" anchor="ctr" anchorCtr="0" forceAA="0" compatLnSpc="1">
+              <a:prstTxWarp prst="textNoShape">
+                <a:avLst/>
+              </a:prstTxWarp>
+              <a:noAutofit/>
+            </a:bodyPr>
+            <a:lstStyle/>
+            <a:p>
+              <a:pPr algn="ctr" defTabSz="914400">
+                <a:defRPr/>
+              </a:pPr>
+              <a:endParaRPr lang="zh-CN" altLang="en-US" kern="0">
+                <a:solidFill>
+                  <a:prstClr val="white"/>
+                </a:solidFill>
+                <a:latin typeface="Segoe UI"/>
+                <a:ea typeface="微软雅黑"/>
+              </a:endParaRPr>
+            </a:p>
+          </p:txBody>
+        </p:sp>
+        <p:sp>
+          <p:nvSpPr>
+            <p:cNvPr id="18" name="椭圆 17"/>
+            <p:cNvSpPr/>
+            <p:nvPr/>
+          </p:nvSpPr>
+          <p:spPr>
+            <a:xfrm>
+              <a:off x="3172000" y="934040"/>
+              <a:ext cx="38888" cy="38888"/>
+            </a:xfrm>
+            <a:prstGeom prst="ellipse">
+              <a:avLst/>
+            </a:prstGeom>
+            <a:solidFill>
+              <a:schemeClr val="accent1"/>
+            </a:solidFill>
+            <a:ln w="12700" cap="flat" cmpd="sng" algn="ctr">
+              <a:noFill/>
+              <a:prstDash val="solid"/>
+              <a:miter lim="800000"/>
+            </a:ln>
+            <a:effectLst/>
+          </p:spPr>
+          <p:txBody>
+            <a:bodyPr rot="0" spcFirstLastPara="0" vertOverflow="overflow" horzOverflow="overflow" vert="horz" wrap="square" lIns="91440" tIns="45720" rIns="91440" bIns="45720" numCol="1" spcCol="0" rtlCol="0" fromWordArt="0" anchor="ctr" anchorCtr="0" forceAA="0" compatLnSpc="1">
+              <a:prstTxWarp prst="textNoShape">
+                <a:avLst/>
+              </a:prstTxWarp>
+              <a:noAutofit/>
+            </a:bodyPr>
+            <a:lstStyle/>
+            <a:p>
+              <a:pPr algn="ctr" defTabSz="914400">
+                <a:defRPr/>
+              </a:pPr>
+              <a:endParaRPr lang="zh-CN" altLang="en-US" kern="0">
+                <a:solidFill>
+                  <a:prstClr val="white"/>
+                </a:solidFill>
+                <a:latin typeface="Segoe UI"/>
+                <a:ea typeface="微软雅黑"/>
+              </a:endParaRPr>
+            </a:p>
+          </p:txBody>
+        </p:sp>
+      </p:grpSp>
+      <p:sp>
+        <p:nvSpPr>
+          <p:cNvPr id="19" name="矩形 18"/>
+          <p:cNvSpPr/>
+          <p:nvPr/>
+        </p:nvSpPr>
+        <p:spPr>
+          <a:xfrm>
+            <a:off x="10265828" y="872940"/>
+            <a:ext cx="867326" cy="461665"/>
+          </a:xfrm>
+          <a:prstGeom prst="rect">
+            <a:avLst/>
+          </a:prstGeom>
+        </p:spPr>
+        <p:txBody>
+          <a:bodyPr wrap="square">
+            <a:spAutoFit/>
+          </a:bodyPr>
+          <a:lstStyle/>
+          <a:p>
+            <a:r>
+              <a:rPr lang="zh-CN" altLang="en-US" sz="2400" dirty="0" smtClean="0">
+                <a:solidFill>
+                  <a:srgbClr val="000000"/>
+                </a:solidFill>
+                <a:latin typeface="锐字云字库小标宋体1.0" panose="02010604000000000000" pitchFamily="2" charset="-122"/>
+                <a:ea typeface="锐字云字库小标宋体1.0" panose="02010604000000000000" pitchFamily="2" charset="-122"/>
+              </a:rPr>
+              <a:t>总结</a:t>
+            </a:r>
+            <a:endParaRPr lang="zh-CN" altLang="en-US" sz="2400" dirty="0">
+              <a:solidFill>
+                <a:srgbClr val="000000"/>
+              </a:solidFill>
+              <a:latin typeface="锐字云字库小标宋体1.0" panose="02010604000000000000" pitchFamily="2" charset="-122"/>
+              <a:ea typeface="锐字云字库小标宋体1.0" panose="02010604000000000000" pitchFamily="2" charset="-122"/>
+            </a:endParaRPr>
+          </a:p>
+        </p:txBody>
+      </p:sp>
+      <p:sp>
+        <p:nvSpPr>
+          <p:cNvPr id="20" name="矩形 19"/>
+          <p:cNvSpPr/>
+          <p:nvPr/>
+        </p:nvSpPr>
+        <p:spPr>
+          <a:xfrm>
+            <a:off x="1263901" y="1110596"/>
+            <a:ext cx="8591938" cy="4893647"/>
+          </a:xfrm>
+          <a:prstGeom prst="rect">
+            <a:avLst/>
+          </a:prstGeom>
+        </p:spPr>
+        <p:txBody>
+          <a:bodyPr wrap="square">
+            <a:spAutoFit/>
+          </a:bodyPr>
+          <a:lstStyle/>
+          <a:p>
+            <a:r>
+              <a:rPr lang="en-US" altLang="zh-CN" sz="2400" dirty="0" smtClean="0">
+                <a:latin typeface="锐字云字库小标宋体1.0" panose="02010604000000000000" pitchFamily="2" charset="-122"/>
+                <a:ea typeface="锐字云字库小标宋体1.0" panose="02010604000000000000" pitchFamily="2" charset="-122"/>
+              </a:rPr>
+              <a:t>	</a:t>
+            </a:r>
+            <a:r>
+              <a:rPr lang="zh-CN" altLang="en-US" sz="2400" dirty="0" smtClean="0">
+                <a:latin typeface="锐字云字库小标宋体1.0" panose="02010604000000000000" pitchFamily="2" charset="-122"/>
+                <a:ea typeface="锐字云字库小标宋体1.0" panose="02010604000000000000" pitchFamily="2" charset="-122"/>
+              </a:rPr>
+              <a:t>我们小组这次软件课设对个人财务管理系统开发，从最开始的任务分析到最后的完成</a:t>
+            </a:r>
+            <a:r>
+              <a:rPr lang="zh-CN" altLang="en-US" sz="2400" dirty="0">
+                <a:latin typeface="锐字云字库小标宋体1.0" panose="02010604000000000000" pitchFamily="2" charset="-122"/>
+                <a:ea typeface="锐字云字库小标宋体1.0" panose="02010604000000000000" pitchFamily="2" charset="-122"/>
+              </a:rPr>
+              <a:t>，</a:t>
+            </a:r>
+            <a:r>
+              <a:rPr lang="zh-CN" altLang="en-US" sz="2400" dirty="0" smtClean="0">
+                <a:latin typeface="锐字云字库小标宋体1.0" panose="02010604000000000000" pitchFamily="2" charset="-122"/>
+                <a:ea typeface="锐字云字库小标宋体1.0" panose="02010604000000000000" pitchFamily="2" charset="-122"/>
+              </a:rPr>
+              <a:t>中间</a:t>
+            </a:r>
+            <a:r>
+              <a:rPr lang="zh-CN" altLang="en-US" sz="2400" dirty="0">
+                <a:latin typeface="锐字云字库小标宋体1.0" panose="02010604000000000000" pitchFamily="2" charset="-122"/>
+                <a:ea typeface="锐字云字库小标宋体1.0" panose="02010604000000000000" pitchFamily="2" charset="-122"/>
+              </a:rPr>
+              <a:t>经历和磨练了</a:t>
+            </a:r>
+            <a:r>
+              <a:rPr lang="zh-CN" altLang="en-US" sz="2400" dirty="0" smtClean="0">
+                <a:latin typeface="锐字云字库小标宋体1.0" panose="02010604000000000000" pitchFamily="2" charset="-122"/>
+                <a:ea typeface="锐字云字库小标宋体1.0" panose="02010604000000000000" pitchFamily="2" charset="-122"/>
+              </a:rPr>
+              <a:t>很多。有很多收获，也有很多不足。</a:t>
+            </a:r>
+            <a:endParaRPr lang="en-US" altLang="zh-CN" sz="2400" dirty="0" smtClean="0">
+              <a:latin typeface="锐字云字库小标宋体1.0" panose="02010604000000000000" pitchFamily="2" charset="-122"/>
+              <a:ea typeface="锐字云字库小标宋体1.0" panose="02010604000000000000" pitchFamily="2" charset="-122"/>
+            </a:endParaRPr>
+          </a:p>
+          <a:p>
+            <a:r>
+              <a:rPr lang="en-US" altLang="zh-CN" sz="2400" dirty="0" smtClean="0">
+                <a:latin typeface="锐字云字库小标宋体1.0" panose="02010604000000000000" pitchFamily="2" charset="-122"/>
+                <a:ea typeface="锐字云字库小标宋体1.0" panose="02010604000000000000" pitchFamily="2" charset="-122"/>
+              </a:rPr>
+              <a:t>	</a:t>
+            </a:r>
+            <a:r>
+              <a:rPr lang="zh-CN" altLang="en-US" sz="2400" dirty="0" smtClean="0">
+                <a:latin typeface="锐字云字库小标宋体1.0" panose="02010604000000000000" pitchFamily="2" charset="-122"/>
+                <a:ea typeface="锐字云字库小标宋体1.0" panose="02010604000000000000" pitchFamily="2" charset="-122"/>
+              </a:rPr>
+              <a:t>这整个系统的开发中，从最开始的项目用户注册登录，对用户信息的验证，到用户页面中条目的增删改查，以及对数据的直观的可视化查询，不同功能实现难度差别很大。因此我们在小组分工协作中，尝试并使用了许多现在流行的前后端开发工具，查阅了大量的官方文档，以及许多前人总结的程序开发经验。在资料参考的帮助和大量的调试验证下，完成并测试了这个项目的各项功能。</a:t>
+            </a:r>
+            <a:endParaRPr lang="en-US" altLang="zh-CN" sz="2400" dirty="0" smtClean="0">
+              <a:latin typeface="锐字云字库小标宋体1.0" panose="02010604000000000000" pitchFamily="2" charset="-122"/>
+              <a:ea typeface="锐字云字库小标宋体1.0" panose="02010604000000000000" pitchFamily="2" charset="-122"/>
+            </a:endParaRPr>
+          </a:p>
+          <a:p>
+            <a:r>
+              <a:rPr lang="en-US" altLang="zh-CN" sz="2400" dirty="0">
+                <a:latin typeface="锐字云字库小标宋体1.0" panose="02010604000000000000" pitchFamily="2" charset="-122"/>
+                <a:ea typeface="锐字云字库小标宋体1.0" panose="02010604000000000000" pitchFamily="2" charset="-122"/>
+              </a:rPr>
+              <a:t>	</a:t>
+            </a:r>
+            <a:r>
+              <a:rPr lang="zh-CN" altLang="en-US" sz="2400" dirty="0" smtClean="0">
+                <a:latin typeface="锐字云字库小标宋体1.0" panose="02010604000000000000" pitchFamily="2" charset="-122"/>
+                <a:ea typeface="锐字云字库小标宋体1.0" panose="02010604000000000000" pitchFamily="2" charset="-122"/>
+              </a:rPr>
+              <a:t>不足的地方也有很多，比如在前期规划的时候，对项目整体知识是十分缺少的。另外，项目整体功能</a:t>
+            </a:r>
+            <a:r>
+              <a:rPr lang="en-US" altLang="zh-CN" sz="2400" dirty="0">
+                <a:latin typeface="锐字云字库小标宋体1.0" panose="02010604000000000000" pitchFamily="2" charset="-122"/>
+                <a:ea typeface="锐字云字库小标宋体1.0" panose="02010604000000000000" pitchFamily="2" charset="-122"/>
+              </a:rPr>
+              <a:t>UI</a:t>
+            </a:r>
+            <a:r>
+              <a:rPr lang="zh-CN" altLang="en-US" sz="2400" dirty="0" smtClean="0">
+                <a:latin typeface="锐字云字库小标宋体1.0" panose="02010604000000000000" pitchFamily="2" charset="-122"/>
+                <a:ea typeface="锐字云字库小标宋体1.0" panose="02010604000000000000" pitchFamily="2" charset="-122"/>
+              </a:rPr>
+              <a:t>对用户的友好度也不算特别高，因此</a:t>
+            </a:r>
+            <a:r>
+              <a:rPr lang="zh-CN" altLang="en-US" sz="2400" dirty="0">
+                <a:latin typeface="锐字云字库小标宋体1.0" panose="02010604000000000000" pitchFamily="2" charset="-122"/>
+                <a:ea typeface="锐字云字库小标宋体1.0" panose="02010604000000000000" pitchFamily="2" charset="-122"/>
+              </a:rPr>
+              <a:t>我们在制作的过程同时不断</a:t>
+            </a:r>
+            <a:r>
+              <a:rPr lang="zh-CN" altLang="en-US" sz="2400" dirty="0" smtClean="0">
+                <a:latin typeface="锐字云字库小标宋体1.0" panose="02010604000000000000" pitchFamily="2" charset="-122"/>
+                <a:ea typeface="锐字云字库小标宋体1.0" panose="02010604000000000000" pitchFamily="2" charset="-122"/>
+              </a:rPr>
+              <a:t>学习。</a:t>
+            </a:r>
+            <a:endParaRPr lang="en-US" altLang="zh-CN" sz="2400" dirty="0" smtClean="0">
+              <a:latin typeface="锐字云字库小标宋体1.0" panose="02010604000000000000" pitchFamily="2" charset="-122"/>
+              <a:ea typeface="锐字云字库小标宋体1.0" panose="02010604000000000000" pitchFamily="2" charset="-122"/>
+            </a:endParaRPr>
+          </a:p>
+        </p:txBody>
+      </p:sp>
+    </p:spTree>
+    <p:extLst>
+      <p:ext uri="{BB962C8B-B14F-4D97-AF65-F5344CB8AC3E}">
+        <p14:creationId xmlns:p14="http://schemas.microsoft.com/office/powerpoint/2010/main" val="3210965704"/>
       </p:ext>
     </p:extLst>
   </p:cSld>
